--- a/src/_ppt/ch9.pptx
+++ b/src/_ppt/ch9.pptx
@@ -5,23 +5,20 @@
     <p:sldMasterId id="2147483648" r:id="rId1"/>
   </p:sldMasterIdLst>
   <p:notesMasterIdLst>
-    <p:notesMasterId r:id="rId13"/>
+    <p:notesMasterId r:id="rId10"/>
   </p:notesMasterIdLst>
   <p:handoutMasterIdLst>
-    <p:handoutMasterId r:id="rId14"/>
+    <p:handoutMasterId r:id="rId11"/>
   </p:handoutMasterIdLst>
   <p:sldIdLst>
     <p:sldId id="262" r:id="rId2"/>
     <p:sldId id="323" r:id="rId3"/>
     <p:sldId id="324" r:id="rId4"/>
-    <p:sldId id="325" r:id="rId5"/>
-    <p:sldId id="285" r:id="rId6"/>
-    <p:sldId id="322" r:id="rId7"/>
-    <p:sldId id="318" r:id="rId8"/>
-    <p:sldId id="319" r:id="rId9"/>
-    <p:sldId id="321" r:id="rId10"/>
-    <p:sldId id="317" r:id="rId11"/>
-    <p:sldId id="316" r:id="rId12"/>
+    <p:sldId id="326" r:id="rId5"/>
+    <p:sldId id="329" r:id="rId6"/>
+    <p:sldId id="330" r:id="rId7"/>
+    <p:sldId id="325" r:id="rId8"/>
+    <p:sldId id="327" r:id="rId9"/>
   </p:sldIdLst>
   <p:sldSz cx="9144000" cy="6858000" type="screen4x3"/>
   <p:notesSz cx="6858000" cy="9144000"/>
@@ -122,7 +119,7 @@
   </p:defaultTextStyle>
   <p:extLst>
     <p:ext uri="{EFAFB233-063F-42B5-8137-9DF3F51BA10A}">
-      <p15:sldGuideLst xmlns:p15="http://schemas.microsoft.com/office/powerpoint/2012/main">
+      <p15:sldGuideLst xmlns="" xmlns:p15="http://schemas.microsoft.com/office/powerpoint/2012/main">
         <p15:guide id="1" orient="horz" pos="2160">
           <p15:clr>
             <a:srgbClr val="A4A3A4"/>
@@ -136,7 +133,7 @@
       </p15:sldGuideLst>
     </p:ext>
     <p:ext uri="{2D200454-40CA-4A62-9FC3-DE9A4176ACB9}">
-      <p15:notesGuideLst xmlns:p15="http://schemas.microsoft.com/office/powerpoint/2012/main">
+      <p15:notesGuideLst xmlns="" xmlns:p15="http://schemas.microsoft.com/office/powerpoint/2012/main">
         <p15:guide id="1" orient="horz" pos="2880">
           <p15:clr>
             <a:srgbClr val="A4A3A4"/>
@@ -880,46 +877,6 @@
           <a:bodyPr/>
           <a:lstStyle/>
           <a:p>
-            <a:r>
-              <a:rPr lang="ko-KR" altLang="en-US" dirty="0" smtClean="0"/>
-              <a:t>불변규칙과 불변성을 보존하기 위해 </a:t>
-            </a:r>
-            <a:r>
-              <a:rPr lang="ko-KR" altLang="en-US" dirty="0" err="1" smtClean="0"/>
-              <a:t>생성자와</a:t>
-            </a:r>
-            <a:r>
-              <a:rPr lang="ko-KR" altLang="en-US" dirty="0" smtClean="0"/>
-              <a:t> </a:t>
-            </a:r>
-            <a:r>
-              <a:rPr lang="ko-KR" altLang="en-US" dirty="0" err="1" smtClean="0"/>
-              <a:t>접근자</a:t>
-            </a:r>
-            <a:r>
-              <a:rPr lang="ko-KR" altLang="en-US" dirty="0" smtClean="0"/>
-              <a:t> </a:t>
-            </a:r>
-            <a:r>
-              <a:rPr lang="ko-KR" altLang="en-US" dirty="0" err="1" smtClean="0"/>
-              <a:t>메소드에서</a:t>
-            </a:r>
-            <a:r>
-              <a:rPr lang="ko-KR" altLang="en-US" dirty="0" smtClean="0"/>
-              <a:t> </a:t>
-            </a:r>
-            <a:r>
-              <a:rPr lang="en-US" altLang="ko-KR" dirty="0" smtClean="0"/>
-              <a:t>Date</a:t>
-            </a:r>
-            <a:r>
-              <a:rPr lang="en-US" altLang="ko-KR" baseline="0" dirty="0" smtClean="0"/>
-              <a:t> </a:t>
-            </a:r>
-            <a:r>
-              <a:rPr lang="ko-KR" altLang="en-US" baseline="0" dirty="0" smtClean="0"/>
-              <a:t>객체들을 방어복사</a:t>
-            </a:r>
             <a:endParaRPr lang="ko-KR" altLang="en-US" dirty="0"/>
           </a:p>
         </p:txBody>
@@ -941,7 +898,7 @@
           <a:p>
             <a:fld id="{F9FBCD24-FD72-452C-8969-09628A5F2BDD}" type="slidenum">
               <a:rPr lang="ko-KR" altLang="en-US" smtClean="0"/>
-              <a:t>5</a:t>
+              <a:t>4</a:t>
             </a:fld>
             <a:endParaRPr lang="ko-KR" altLang="en-US"/>
           </a:p>
@@ -950,7 +907,7 @@
     </p:spTree>
     <p:extLst>
       <p:ext uri="{BB962C8B-B14F-4D97-AF65-F5344CB8AC3E}">
-        <p14:creationId xmlns:p14="http://schemas.microsoft.com/office/powerpoint/2010/main" val="4294667118"/>
+        <p14:creationId xmlns:p14="http://schemas.microsoft.com/office/powerpoint/2010/main" val="3979986194"/>
       </p:ext>
     </p:extLst>
   </p:cSld>
@@ -1004,196 +961,7 @@
           <a:bodyPr/>
           <a:lstStyle/>
           <a:p>
-            <a:r>
-              <a:rPr lang="ko-KR" altLang="en-US" dirty="0" smtClean="0"/>
-              <a:t>객체 생성 시 발생하는 문제를 해결하기 위한 패턴 </a:t>
-            </a:r>
-            <a:r>
-              <a:rPr lang="en-US" altLang="ko-KR" dirty="0" smtClean="0"/>
-              <a:t>creational design pattern</a:t>
-            </a:r>
-          </a:p>
-          <a:p>
-            <a:r>
-              <a:rPr lang="ko-KR" altLang="en-US" dirty="0" err="1" smtClean="0"/>
-              <a:t>파라미터가</a:t>
-            </a:r>
-            <a:r>
-              <a:rPr lang="ko-KR" altLang="en-US" dirty="0" smtClean="0"/>
-              <a:t> 많을 때 </a:t>
-            </a:r>
-            <a:r>
-              <a:rPr lang="en-US" altLang="ko-KR" dirty="0" smtClean="0"/>
-              <a:t>!!</a:t>
-            </a:r>
-          </a:p>
-          <a:p>
-            <a:r>
-              <a:rPr lang="ko-KR" altLang="en-US" dirty="0" smtClean="0"/>
-              <a:t>어떤 것은 필수적이고</a:t>
-            </a:r>
-            <a:r>
-              <a:rPr lang="en-US" altLang="ko-KR" dirty="0" smtClean="0"/>
-              <a:t>, </a:t>
-            </a:r>
-            <a:r>
-              <a:rPr lang="ko-KR" altLang="en-US" dirty="0" smtClean="0"/>
-              <a:t>어떤 것은 </a:t>
-            </a:r>
-            <a:r>
-              <a:rPr lang="ko-KR" altLang="en-US" dirty="0" err="1" smtClean="0"/>
-              <a:t>옵셔날할</a:t>
-            </a:r>
-            <a:r>
-              <a:rPr lang="ko-KR" altLang="en-US" dirty="0" smtClean="0"/>
-              <a:t> 때</a:t>
-            </a:r>
-            <a:r>
-              <a:rPr lang="en-US" altLang="ko-KR" dirty="0" smtClean="0"/>
-              <a:t>!</a:t>
-            </a:r>
-          </a:p>
-          <a:p>
-            <a:r>
-              <a:rPr lang="en-US" altLang="ko-KR" dirty="0" smtClean="0"/>
-              <a:t>overloaded constructor </a:t>
-            </a:r>
-            <a:r>
-              <a:rPr lang="ko-KR" altLang="en-US" dirty="0" smtClean="0"/>
-              <a:t>를 만들면 되나</a:t>
-            </a:r>
-            <a:r>
-              <a:rPr lang="en-US" altLang="ko-KR" dirty="0" smtClean="0"/>
-              <a:t>?(telescoping </a:t>
-            </a:r>
-            <a:r>
-              <a:rPr lang="ko-KR" altLang="en-US" dirty="0" smtClean="0"/>
-              <a:t>패턴</a:t>
-            </a:r>
-            <a:r>
-              <a:rPr lang="en-US" altLang="ko-KR" dirty="0" smtClean="0"/>
-              <a:t>)</a:t>
-            </a:r>
-          </a:p>
-          <a:p>
-            <a:r>
-              <a:rPr lang="ko-KR" altLang="en-US" dirty="0" smtClean="0"/>
-              <a:t>생성자가 엄청 많아질 듯</a:t>
-            </a:r>
-            <a:r>
-              <a:rPr lang="en-US" altLang="ko-KR" dirty="0" smtClean="0"/>
-              <a:t>...</a:t>
-            </a:r>
-          </a:p>
-          <a:p>
-            <a:endParaRPr lang="en-US" altLang="ko-KR" dirty="0" smtClean="0"/>
-          </a:p>
-          <a:p>
-            <a:r>
-              <a:rPr lang="ko-KR" altLang="en-US" dirty="0" smtClean="0"/>
-              <a:t>문제점 </a:t>
-            </a:r>
-          </a:p>
-          <a:p>
-            <a:r>
-              <a:rPr lang="en-US" altLang="ko-KR" dirty="0" smtClean="0"/>
-              <a:t>1. </a:t>
-            </a:r>
-            <a:r>
-              <a:rPr lang="ko-KR" altLang="en-US" dirty="0" smtClean="0"/>
-              <a:t>생성자가 많아짐</a:t>
-            </a:r>
-          </a:p>
-          <a:p>
-            <a:r>
-              <a:rPr lang="en-US" altLang="ko-KR" dirty="0" smtClean="0"/>
-              <a:t>2. </a:t>
-            </a:r>
-            <a:r>
-              <a:rPr lang="ko-KR" altLang="en-US" dirty="0" smtClean="0"/>
-              <a:t>많은 필드들이 같은 타입을 가진다면 에러 발생률이 증가할 듯</a:t>
-            </a:r>
-            <a:r>
-              <a:rPr lang="en-US" altLang="ko-KR" dirty="0" smtClean="0"/>
-              <a:t>..</a:t>
-            </a:r>
-          </a:p>
-          <a:p>
-            <a:endParaRPr lang="en-US" altLang="ko-KR" dirty="0" smtClean="0"/>
-          </a:p>
-          <a:p>
-            <a:r>
-              <a:rPr lang="ko-KR" altLang="en-US" dirty="0" smtClean="0"/>
-              <a:t>객체를 만들고 나서 요소를 추가하는 방식으로</a:t>
-            </a:r>
-            <a:r>
-              <a:rPr lang="en-US" altLang="ko-KR" dirty="0" smtClean="0"/>
-              <a:t>(</a:t>
-            </a:r>
-            <a:r>
-              <a:rPr lang="en-US" altLang="ko-KR" dirty="0" err="1" smtClean="0"/>
-              <a:t>setXXX</a:t>
-            </a:r>
-            <a:r>
-              <a:rPr lang="en-US" altLang="ko-KR" dirty="0" smtClean="0"/>
-              <a:t>) </a:t>
-            </a:r>
-            <a:r>
-              <a:rPr lang="ko-KR" altLang="en-US" dirty="0" smtClean="0"/>
-              <a:t>해결하면 되지</a:t>
-            </a:r>
-            <a:r>
-              <a:rPr lang="en-US" altLang="ko-KR" dirty="0" smtClean="0"/>
-              <a:t>?</a:t>
-            </a:r>
-          </a:p>
-          <a:p>
-            <a:r>
-              <a:rPr lang="en-US" altLang="ko-KR" dirty="0" smtClean="0"/>
-              <a:t>(JavaBeans </a:t>
-            </a:r>
-            <a:r>
-              <a:rPr lang="ko-KR" altLang="en-US" dirty="0" smtClean="0"/>
-              <a:t>패턴</a:t>
-            </a:r>
-            <a:r>
-              <a:rPr lang="en-US" altLang="ko-KR" dirty="0" smtClean="0"/>
-              <a:t>)</a:t>
-            </a:r>
-          </a:p>
-          <a:p>
-            <a:r>
-              <a:rPr lang="ko-KR" altLang="en-US" dirty="0" smtClean="0"/>
-              <a:t>이상적으로</a:t>
-            </a:r>
-            <a:r>
-              <a:rPr lang="en-US" altLang="ko-KR" dirty="0" smtClean="0"/>
-              <a:t>(</a:t>
-            </a:r>
-            <a:r>
-              <a:rPr lang="ko-KR" altLang="en-US" dirty="0" smtClean="0"/>
-              <a:t>당연히</a:t>
-            </a:r>
-            <a:r>
-              <a:rPr lang="en-US" altLang="ko-KR" dirty="0" smtClean="0"/>
-              <a:t>) </a:t>
-            </a:r>
-            <a:r>
-              <a:rPr lang="ko-KR" altLang="en-US" dirty="0" smtClean="0"/>
-              <a:t>물건을 그것이 생성되기 전까지는 </a:t>
-            </a:r>
-            <a:r>
-              <a:rPr lang="ko-KR" altLang="en-US" dirty="0" err="1" smtClean="0"/>
-              <a:t>이용불가능해야</a:t>
-            </a:r>
-            <a:r>
-              <a:rPr lang="ko-KR" altLang="en-US" dirty="0" smtClean="0"/>
-              <a:t> 한다</a:t>
-            </a:r>
-            <a:r>
-              <a:rPr lang="en-US" altLang="ko-KR" dirty="0" smtClean="0"/>
-              <a:t>.</a:t>
-            </a:r>
+            <a:endParaRPr lang="ko-KR" altLang="en-US" dirty="0"/>
           </a:p>
         </p:txBody>
       </p:sp>
@@ -1214,7 +982,7 @@
           <a:p>
             <a:fld id="{F9FBCD24-FD72-452C-8969-09628A5F2BDD}" type="slidenum">
               <a:rPr lang="ko-KR" altLang="en-US" smtClean="0"/>
-              <a:t>6</a:t>
+              <a:t>5</a:t>
             </a:fld>
             <a:endParaRPr lang="ko-KR" altLang="en-US"/>
           </a:p>
@@ -1223,7 +991,7 @@
     </p:spTree>
     <p:extLst>
       <p:ext uri="{BB962C8B-B14F-4D97-AF65-F5344CB8AC3E}">
-        <p14:creationId xmlns:p14="http://schemas.microsoft.com/office/powerpoint/2010/main" val="4294667118"/>
+        <p14:creationId xmlns:p14="http://schemas.microsoft.com/office/powerpoint/2010/main" val="3979986194"/>
       </p:ext>
     </p:extLst>
   </p:cSld>
@@ -1277,46 +1045,6 @@
           <a:bodyPr/>
           <a:lstStyle/>
           <a:p>
-            <a:r>
-              <a:rPr lang="ko-KR" altLang="en-US" dirty="0" smtClean="0"/>
-              <a:t>불변규칙과 불변성을 보존하기 위해 </a:t>
-            </a:r>
-            <a:r>
-              <a:rPr lang="ko-KR" altLang="en-US" dirty="0" err="1" smtClean="0"/>
-              <a:t>생성자와</a:t>
-            </a:r>
-            <a:r>
-              <a:rPr lang="ko-KR" altLang="en-US" dirty="0" smtClean="0"/>
-              <a:t> </a:t>
-            </a:r>
-            <a:r>
-              <a:rPr lang="ko-KR" altLang="en-US" dirty="0" err="1" smtClean="0"/>
-              <a:t>접근자</a:t>
-            </a:r>
-            <a:r>
-              <a:rPr lang="ko-KR" altLang="en-US" dirty="0" smtClean="0"/>
-              <a:t> </a:t>
-            </a:r>
-            <a:r>
-              <a:rPr lang="ko-KR" altLang="en-US" dirty="0" err="1" smtClean="0"/>
-              <a:t>메소드에서</a:t>
-            </a:r>
-            <a:r>
-              <a:rPr lang="ko-KR" altLang="en-US" dirty="0" smtClean="0"/>
-              <a:t> </a:t>
-            </a:r>
-            <a:r>
-              <a:rPr lang="en-US" altLang="ko-KR" dirty="0" smtClean="0"/>
-              <a:t>Date</a:t>
-            </a:r>
-            <a:r>
-              <a:rPr lang="en-US" altLang="ko-KR" baseline="0" dirty="0" smtClean="0"/>
-              <a:t> </a:t>
-            </a:r>
-            <a:r>
-              <a:rPr lang="ko-KR" altLang="en-US" baseline="0" dirty="0" smtClean="0"/>
-              <a:t>객체들을 방어복사</a:t>
-            </a:r>
             <a:endParaRPr lang="ko-KR" altLang="en-US" dirty="0"/>
           </a:p>
         </p:txBody>
@@ -1338,7 +1066,7 @@
           <a:p>
             <a:fld id="{F9FBCD24-FD72-452C-8969-09628A5F2BDD}" type="slidenum">
               <a:rPr lang="ko-KR" altLang="en-US" smtClean="0"/>
-              <a:t>7</a:t>
+              <a:t>6</a:t>
             </a:fld>
             <a:endParaRPr lang="ko-KR" altLang="en-US"/>
           </a:p>
@@ -1347,7 +1075,7 @@
     </p:spTree>
     <p:extLst>
       <p:ext uri="{BB962C8B-B14F-4D97-AF65-F5344CB8AC3E}">
-        <p14:creationId xmlns:p14="http://schemas.microsoft.com/office/powerpoint/2010/main" val="4294667118"/>
+        <p14:creationId xmlns:p14="http://schemas.microsoft.com/office/powerpoint/2010/main" val="3979986194"/>
       </p:ext>
     </p:extLst>
   </p:cSld>
@@ -1401,46 +1129,6 @@
           <a:bodyPr/>
           <a:lstStyle/>
           <a:p>
-            <a:r>
-              <a:rPr lang="ko-KR" altLang="en-US" dirty="0" smtClean="0"/>
-              <a:t>불변규칙과 불변성을 보존하기 위해 </a:t>
-            </a:r>
-            <a:r>
-              <a:rPr lang="ko-KR" altLang="en-US" dirty="0" err="1" smtClean="0"/>
-              <a:t>생성자와</a:t>
-            </a:r>
-            <a:r>
-              <a:rPr lang="ko-KR" altLang="en-US" dirty="0" smtClean="0"/>
-              <a:t> </a:t>
-            </a:r>
-            <a:r>
-              <a:rPr lang="ko-KR" altLang="en-US" dirty="0" err="1" smtClean="0"/>
-              <a:t>접근자</a:t>
-            </a:r>
-            <a:r>
-              <a:rPr lang="ko-KR" altLang="en-US" dirty="0" smtClean="0"/>
-              <a:t> </a:t>
-            </a:r>
-            <a:r>
-              <a:rPr lang="ko-KR" altLang="en-US" dirty="0" err="1" smtClean="0"/>
-              <a:t>메소드에서</a:t>
-            </a:r>
-            <a:r>
-              <a:rPr lang="ko-KR" altLang="en-US" dirty="0" smtClean="0"/>
-              <a:t> </a:t>
-            </a:r>
-            <a:r>
-              <a:rPr lang="en-US" altLang="ko-KR" dirty="0" smtClean="0"/>
-              <a:t>Date</a:t>
-            </a:r>
-            <a:r>
-              <a:rPr lang="en-US" altLang="ko-KR" baseline="0" dirty="0" smtClean="0"/>
-              <a:t> </a:t>
-            </a:r>
-            <a:r>
-              <a:rPr lang="ko-KR" altLang="en-US" baseline="0" dirty="0" smtClean="0"/>
-              <a:t>객체들을 방어복사</a:t>
-            </a:r>
             <a:endParaRPr lang="ko-KR" altLang="en-US" dirty="0"/>
           </a:p>
         </p:txBody>
@@ -1471,91 +1159,7 @@
     </p:spTree>
     <p:extLst>
       <p:ext uri="{BB962C8B-B14F-4D97-AF65-F5344CB8AC3E}">
-        <p14:creationId xmlns:p14="http://schemas.microsoft.com/office/powerpoint/2010/main" val="4294667118"/>
-      </p:ext>
-    </p:extLst>
-  </p:cSld>
-  <p:clrMapOvr>
-    <a:masterClrMapping/>
-  </p:clrMapOvr>
-</p:notes>
-</file>
-
-<file path=ppt/notesSlides/notesSlide7.xml><?xml version="1.0" encoding="utf-8"?>
-<p:notes xmlns:a="http://schemas.openxmlformats.org/drawingml/2006/main" xmlns:r="http://schemas.openxmlformats.org/officeDocument/2006/relationships" xmlns:p="http://schemas.openxmlformats.org/presentationml/2006/main">
-  <p:cSld>
-    <p:spTree>
-      <p:nvGrpSpPr>
-        <p:cNvPr id="1" name=""/>
-        <p:cNvGrpSpPr/>
-        <p:nvPr/>
-      </p:nvGrpSpPr>
-      <p:grpSpPr>
-        <a:xfrm>
-          <a:off x="0" y="0"/>
-          <a:ext cx="0" cy="0"/>
-          <a:chOff x="0" y="0"/>
-          <a:chExt cx="0" cy="0"/>
-        </a:xfrm>
-      </p:grpSpPr>
-      <p:sp>
-        <p:nvSpPr>
-          <p:cNvPr id="2" name="슬라이드 이미지 개체 틀 1"/>
-          <p:cNvSpPr>
-            <a:spLocks noGrp="1" noRot="1" noChangeAspect="1"/>
-          </p:cNvSpPr>
-          <p:nvPr>
-            <p:ph type="sldImg"/>
-          </p:nvPr>
-        </p:nvSpPr>
-        <p:spPr/>
-      </p:sp>
-      <p:sp>
-        <p:nvSpPr>
-          <p:cNvPr id="3" name="슬라이드 노트 개체 틀 2"/>
-          <p:cNvSpPr>
-            <a:spLocks noGrp="1"/>
-          </p:cNvSpPr>
-          <p:nvPr>
-            <p:ph type="body" idx="1"/>
-          </p:nvPr>
-        </p:nvSpPr>
-        <p:spPr/>
-        <p:txBody>
-          <a:bodyPr/>
-          <a:lstStyle/>
-          <a:p>
-            <a:endParaRPr lang="ko-KR" altLang="en-US"/>
-          </a:p>
-        </p:txBody>
-      </p:sp>
-      <p:sp>
-        <p:nvSpPr>
-          <p:cNvPr id="4" name="슬라이드 번호 개체 틀 3"/>
-          <p:cNvSpPr>
-            <a:spLocks noGrp="1"/>
-          </p:cNvSpPr>
-          <p:nvPr>
-            <p:ph type="sldNum" sz="quarter" idx="10"/>
-          </p:nvPr>
-        </p:nvSpPr>
-        <p:spPr/>
-        <p:txBody>
-          <a:bodyPr/>
-          <a:lstStyle/>
-          <a:p>
-            <a:fld id="{F9FBCD24-FD72-452C-8969-09628A5F2BDD}" type="slidenum">
-              <a:rPr lang="ko-KR" altLang="en-US" smtClean="0"/>
-              <a:t>11</a:t>
-            </a:fld>
-            <a:endParaRPr lang="ko-KR" altLang="en-US"/>
-          </a:p>
-        </p:txBody>
-      </p:sp>
-    </p:spTree>
-    <p:extLst>
-      <p:ext uri="{BB962C8B-B14F-4D97-AF65-F5344CB8AC3E}">
-        <p14:creationId xmlns:p14="http://schemas.microsoft.com/office/powerpoint/2010/main" val="1927532134"/>
+        <p14:creationId xmlns:p14="http://schemas.microsoft.com/office/powerpoint/2010/main" val="45560400"/>
       </p:ext>
     </p:extLst>
   </p:cSld>
@@ -4641,13 +4245,7 @@
               <a:rPr lang="en-US" altLang="ko-KR" dirty="0">
                 <a:ea typeface="나눔바른고딕" panose="020B0603020101020101" pitchFamily="50" charset="-127"/>
               </a:rPr>
-              <a:t>Chapter </a:t>
-            </a:r>
-            <a:r>
-              <a:rPr lang="en-US" altLang="ko-KR" dirty="0">
-                <a:ea typeface="나눔바른고딕" panose="020B0603020101020101" pitchFamily="50" charset="-127"/>
-              </a:rPr>
-              <a:t>9</a:t>
+              <a:t>Chapter 9</a:t>
             </a:r>
             <a:endParaRPr lang="ko-KR" altLang="en-US" dirty="0">
               <a:ea typeface="나눔바른고딕" panose="020B0603020101020101" pitchFamily="50" charset="-127"/>
@@ -4934,448 +4532,6 @@
     <p:extLst>
       <p:ext uri="{BB962C8B-B14F-4D97-AF65-F5344CB8AC3E}">
         <p14:creationId xmlns:p14="http://schemas.microsoft.com/office/powerpoint/2010/main" val="1236358639"/>
-      </p:ext>
-    </p:extLst>
-  </p:cSld>
-  <p:clrMapOvr>
-    <a:masterClrMapping/>
-  </p:clrMapOvr>
-  <p:timing>
-    <p:tnLst>
-      <p:par>
-        <p:cTn id="1" dur="indefinite" restart="never" nodeType="tmRoot"/>
-      </p:par>
-    </p:tnLst>
-  </p:timing>
-</p:sld>
-</file>
-
-<file path=ppt/slides/slide10.xml><?xml version="1.0" encoding="utf-8"?>
-<p:sld xmlns:a="http://schemas.openxmlformats.org/drawingml/2006/main" xmlns:r="http://schemas.openxmlformats.org/officeDocument/2006/relationships" xmlns:p="http://schemas.openxmlformats.org/presentationml/2006/main">
-  <p:cSld>
-    <p:spTree>
-      <p:nvGrpSpPr>
-        <p:cNvPr id="1" name=""/>
-        <p:cNvGrpSpPr/>
-        <p:nvPr/>
-      </p:nvGrpSpPr>
-      <p:grpSpPr>
-        <a:xfrm>
-          <a:off x="0" y="0"/>
-          <a:ext cx="0" cy="0"/>
-          <a:chOff x="0" y="0"/>
-          <a:chExt cx="0" cy="0"/>
-        </a:xfrm>
-      </p:grpSpPr>
-      <p:sp>
-        <p:nvSpPr>
-          <p:cNvPr id="2" name="제목 1"/>
-          <p:cNvSpPr>
-            <a:spLocks noGrp="1"/>
-          </p:cNvSpPr>
-          <p:nvPr>
-            <p:ph type="title"/>
-          </p:nvPr>
-        </p:nvSpPr>
-        <p:spPr/>
-        <p:txBody>
-          <a:bodyPr/>
-          <a:lstStyle/>
-          <a:p>
-            <a:r>
-              <a:rPr lang="en-US" altLang="ko-KR" dirty="0"/>
-              <a:t>Builder </a:t>
-            </a:r>
-            <a:r>
-              <a:rPr lang="ko-KR" altLang="en-US" dirty="0" smtClean="0"/>
-              <a:t>패턴 예제</a:t>
-            </a:r>
-            <a:endParaRPr lang="ko-KR" altLang="en-US" dirty="0"/>
-          </a:p>
-        </p:txBody>
-      </p:sp>
-      <p:sp>
-        <p:nvSpPr>
-          <p:cNvPr id="3" name="내용 개체 틀 2"/>
-          <p:cNvSpPr>
-            <a:spLocks noGrp="1"/>
-          </p:cNvSpPr>
-          <p:nvPr>
-            <p:ph idx="1"/>
-          </p:nvPr>
-        </p:nvSpPr>
-        <p:spPr/>
-        <p:txBody>
-          <a:bodyPr/>
-          <a:lstStyle/>
-          <a:p>
-            <a:pPr marL="285750" indent="-285750">
-              <a:buFont typeface="Arial" pitchFamily="34" charset="0"/>
-              <a:buChar char="•"/>
-            </a:pPr>
-            <a:r>
-              <a:rPr lang="en-US" altLang="ko-KR" sz="1600" dirty="0" smtClean="0"/>
-              <a:t>Builder</a:t>
-            </a:r>
-            <a:r>
-              <a:rPr lang="ko-KR" altLang="en-US" sz="1600" dirty="0" smtClean="0"/>
-              <a:t>가 생성할 객체를 가지고 있고</a:t>
-            </a:r>
-            <a:r>
-              <a:rPr lang="en-US" altLang="ko-KR" sz="1600" dirty="0" smtClean="0"/>
-              <a:t>, </a:t>
-            </a:r>
-            <a:r>
-              <a:rPr lang="en-US" altLang="ko-KR" sz="1600" dirty="0" err="1" smtClean="0"/>
-              <a:t>buildPart</a:t>
-            </a:r>
-            <a:r>
-              <a:rPr lang="en-US" altLang="ko-KR" sz="1600" dirty="0" smtClean="0"/>
-              <a:t>()</a:t>
-            </a:r>
-            <a:r>
-              <a:rPr lang="ko-KR" altLang="en-US" sz="1600" dirty="0" smtClean="0"/>
-              <a:t>들을 통해 객체 내부를 만든 뒤</a:t>
-            </a:r>
-            <a:r>
-              <a:rPr lang="en-US" altLang="ko-KR" sz="1600" dirty="0" smtClean="0"/>
-              <a:t>, </a:t>
-            </a:r>
-            <a:r>
-              <a:rPr lang="en-US" altLang="ko-KR" sz="1600" dirty="0" err="1" smtClean="0"/>
-              <a:t>getResult</a:t>
-            </a:r>
-            <a:r>
-              <a:rPr lang="en-US" altLang="ko-KR" sz="1600" dirty="0" smtClean="0"/>
-              <a:t>() </a:t>
-            </a:r>
-            <a:r>
-              <a:rPr lang="ko-KR" altLang="en-US" sz="1600" dirty="0" smtClean="0"/>
-              <a:t>또는 </a:t>
-            </a:r>
-            <a:r>
-              <a:rPr lang="en-US" altLang="ko-KR" sz="1600" dirty="0" smtClean="0"/>
-              <a:t>build()</a:t>
-            </a:r>
-            <a:r>
-              <a:rPr lang="ko-KR" altLang="en-US" sz="1600" dirty="0" smtClean="0"/>
-              <a:t>로 생성한 객체를 반환</a:t>
-            </a:r>
-            <a:endParaRPr lang="en-US" altLang="ko-KR" sz="1600" dirty="0" smtClean="0"/>
-          </a:p>
-          <a:p>
-            <a:pPr marL="285750" indent="-285750">
-              <a:buFont typeface="Arial" pitchFamily="34" charset="0"/>
-              <a:buChar char="•"/>
-            </a:pPr>
-            <a:r>
-              <a:rPr lang="ko-KR" altLang="en-US" sz="1600" dirty="0" smtClean="0"/>
-              <a:t>장점 </a:t>
-            </a:r>
-            <a:r>
-              <a:rPr lang="en-US" altLang="ko-KR" sz="1600" dirty="0" smtClean="0"/>
-              <a:t>: </a:t>
-            </a:r>
-            <a:r>
-              <a:rPr lang="ko-KR" altLang="en-US" sz="1600" dirty="0" err="1" smtClean="0"/>
-              <a:t>가독성</a:t>
-            </a:r>
-            <a:r>
-              <a:rPr lang="ko-KR" altLang="en-US" sz="1600" dirty="0" smtClean="0"/>
-              <a:t> 증가</a:t>
-            </a:r>
-            <a:r>
-              <a:rPr lang="en-US" altLang="ko-KR" sz="1600" dirty="0" smtClean="0"/>
-              <a:t>. </a:t>
-            </a:r>
-            <a:r>
-              <a:rPr lang="ko-KR" altLang="en-US" sz="1600" dirty="0" smtClean="0"/>
-              <a:t>에러발생률 감소</a:t>
-            </a:r>
-            <a:r>
-              <a:rPr lang="en-US" altLang="ko-KR" sz="1600" dirty="0" smtClean="0"/>
-              <a:t/>
-            </a:r>
-            <a:br>
-              <a:rPr lang="en-US" altLang="ko-KR" sz="1600" dirty="0" smtClean="0"/>
-            </a:br>
-            <a:r>
-              <a:rPr lang="en-US" altLang="ko-KR" sz="1600" dirty="0" smtClean="0"/>
-              <a:t>(telescoping pattern, JavaBeans pattern</a:t>
-            </a:r>
-            <a:r>
-              <a:rPr lang="ko-KR" altLang="en-US" sz="1600" dirty="0" smtClean="0"/>
-              <a:t>과 비교했을 때</a:t>
-            </a:r>
-            <a:r>
-              <a:rPr lang="en-US" altLang="ko-KR" sz="1600" dirty="0" smtClean="0"/>
-              <a:t>..)</a:t>
-            </a:r>
-          </a:p>
-          <a:p>
-            <a:pPr marL="285750" indent="-285750">
-              <a:buFont typeface="Arial" pitchFamily="34" charset="0"/>
-              <a:buChar char="•"/>
-            </a:pPr>
-            <a:endParaRPr lang="en-US" altLang="ko-KR" sz="1600" dirty="0"/>
-          </a:p>
-          <a:p>
-            <a:pPr marL="285750" indent="-285750">
-              <a:buFont typeface="Arial" pitchFamily="34" charset="0"/>
-              <a:buChar char="•"/>
-            </a:pPr>
-            <a:r>
-              <a:rPr lang="ko-KR" altLang="en-US" sz="1600" dirty="0" smtClean="0"/>
-              <a:t>생성할 클래스의 종류가 다양해지면 사용하기 불편할 것 같다</a:t>
-            </a:r>
-            <a:r>
-              <a:rPr lang="en-US" altLang="ko-KR" sz="1600" dirty="0" smtClean="0"/>
-              <a:t>.</a:t>
-            </a:r>
-          </a:p>
-          <a:p>
-            <a:pPr marL="285750" indent="-285750">
-              <a:buFont typeface="Arial" pitchFamily="34" charset="0"/>
-              <a:buChar char="•"/>
-            </a:pPr>
-            <a:r>
-              <a:rPr lang="en-US" altLang="ko-KR" sz="1600" dirty="0" smtClean="0"/>
-              <a:t>Builder</a:t>
-            </a:r>
-            <a:r>
-              <a:rPr lang="ko-KR" altLang="en-US" sz="1600" dirty="0" smtClean="0"/>
-              <a:t>와 </a:t>
-            </a:r>
-            <a:r>
-              <a:rPr lang="en-US" altLang="ko-KR" sz="1600" dirty="0" err="1" smtClean="0"/>
-              <a:t>ConcreteBuilder</a:t>
-            </a:r>
-            <a:r>
-              <a:rPr lang="ko-KR" altLang="en-US" sz="1600" dirty="0" smtClean="0"/>
-              <a:t>는 </a:t>
-            </a:r>
-            <a:r>
-              <a:rPr lang="en-US" altLang="ko-KR" sz="1600" dirty="0" smtClean="0"/>
-              <a:t>Template Method Pattern</a:t>
-            </a:r>
-            <a:r>
-              <a:rPr lang="ko-KR" altLang="en-US" sz="1600" dirty="0" smtClean="0"/>
-              <a:t>인 듯</a:t>
-            </a:r>
-            <a:r>
-              <a:rPr lang="en-US" altLang="ko-KR" sz="1600" dirty="0" smtClean="0"/>
-              <a:t>?</a:t>
-            </a:r>
-          </a:p>
-          <a:p>
-            <a:pPr marL="285750" indent="-285750">
-              <a:buFont typeface="Arial" pitchFamily="34" charset="0"/>
-              <a:buChar char="•"/>
-            </a:pPr>
-            <a:r>
-              <a:rPr lang="en-US" altLang="ko-KR" sz="1600" dirty="0" smtClean="0"/>
-              <a:t>Effective Java</a:t>
-            </a:r>
-            <a:r>
-              <a:rPr lang="ko-KR" altLang="en-US" sz="1600" dirty="0" smtClean="0"/>
-              <a:t>의 </a:t>
-            </a:r>
-            <a:r>
-              <a:rPr lang="en-US" altLang="ko-KR" sz="1600" dirty="0" smtClean="0"/>
-              <a:t>2</a:t>
-            </a:r>
-            <a:r>
-              <a:rPr lang="ko-KR" altLang="en-US" sz="1600" dirty="0" smtClean="0"/>
-              <a:t>장에서 소개하는 </a:t>
-            </a:r>
-            <a:r>
-              <a:rPr lang="ko-KR" altLang="en-US" sz="1600" dirty="0" err="1" smtClean="0"/>
-              <a:t>빌더</a:t>
-            </a:r>
-            <a:r>
-              <a:rPr lang="ko-KR" altLang="en-US" sz="1600" dirty="0" smtClean="0"/>
-              <a:t> 패턴의 예제는 </a:t>
-            </a:r>
-            <a:r>
-              <a:rPr lang="en-US" altLang="ko-KR" sz="1600" dirty="0" smtClean="0"/>
-              <a:t>Builder</a:t>
-            </a:r>
-            <a:r>
-              <a:rPr lang="ko-KR" altLang="en-US" sz="1600" dirty="0" smtClean="0"/>
-              <a:t>를 </a:t>
-            </a:r>
-            <a:r>
-              <a:rPr lang="ko-KR" altLang="en-US" sz="1600" dirty="0" err="1" smtClean="0"/>
-              <a:t>스태틱</a:t>
-            </a:r>
-            <a:r>
-              <a:rPr lang="ko-KR" altLang="en-US" sz="1600" dirty="0" smtClean="0"/>
-              <a:t> </a:t>
-            </a:r>
-            <a:r>
-              <a:rPr lang="en-US" altLang="ko-KR" sz="1600" dirty="0" smtClean="0"/>
-              <a:t>Inner</a:t>
-            </a:r>
-            <a:r>
-              <a:rPr lang="ko-KR" altLang="en-US" sz="1600" dirty="0" smtClean="0"/>
-              <a:t>클래스로 사용하였고 </a:t>
-            </a:r>
-            <a:r>
-              <a:rPr lang="en-US" altLang="ko-KR" sz="1600" dirty="0" smtClean="0"/>
-              <a:t>Director</a:t>
-            </a:r>
-            <a:r>
-              <a:rPr lang="ko-KR" altLang="en-US" sz="1600" dirty="0" smtClean="0"/>
-              <a:t>도 없다</a:t>
-            </a:r>
-            <a:r>
-              <a:rPr lang="en-US" altLang="ko-KR" sz="1600" dirty="0" smtClean="0"/>
-              <a:t>. </a:t>
-            </a:r>
-            <a:r>
-              <a:rPr lang="ko-KR" altLang="en-US" sz="1600" dirty="0" smtClean="0"/>
-              <a:t>이런 것도 </a:t>
-            </a:r>
-            <a:r>
-              <a:rPr lang="ko-KR" altLang="en-US" sz="1600" dirty="0" err="1" smtClean="0"/>
-              <a:t>빌더</a:t>
-            </a:r>
-            <a:r>
-              <a:rPr lang="ko-KR" altLang="en-US" sz="1600" dirty="0" smtClean="0"/>
-              <a:t> 패턴임</a:t>
-            </a:r>
-            <a:r>
-              <a:rPr lang="en-US" altLang="ko-KR" sz="1600" dirty="0" smtClean="0"/>
-              <a:t>.</a:t>
-            </a:r>
-          </a:p>
-          <a:p>
-            <a:pPr marL="285750" indent="-285750">
-              <a:buFont typeface="Arial" pitchFamily="34" charset="0"/>
-              <a:buChar char="•"/>
-            </a:pPr>
-            <a:endParaRPr lang="en-US" altLang="ko-KR" sz="1600" dirty="0" smtClean="0"/>
-          </a:p>
-          <a:p>
-            <a:pPr marL="285750" indent="-285750">
-              <a:buFont typeface="Arial" pitchFamily="34" charset="0"/>
-              <a:buChar char="•"/>
-            </a:pPr>
-            <a:endParaRPr lang="ko-KR" altLang="en-US" sz="1600" dirty="0"/>
-          </a:p>
-        </p:txBody>
-      </p:sp>
-    </p:spTree>
-    <p:extLst>
-      <p:ext uri="{BB962C8B-B14F-4D97-AF65-F5344CB8AC3E}">
-        <p14:creationId xmlns:p14="http://schemas.microsoft.com/office/powerpoint/2010/main" val="979725897"/>
-      </p:ext>
-    </p:extLst>
-  </p:cSld>
-  <p:clrMapOvr>
-    <a:masterClrMapping/>
-  </p:clrMapOvr>
-  <p:timing>
-    <p:tnLst>
-      <p:par>
-        <p:cTn id="1" dur="indefinite" restart="never" nodeType="tmRoot"/>
-      </p:par>
-    </p:tnLst>
-  </p:timing>
-</p:sld>
-</file>
-
-<file path=ppt/slides/slide11.xml><?xml version="1.0" encoding="utf-8"?>
-<p:sld xmlns:a="http://schemas.openxmlformats.org/drawingml/2006/main" xmlns:r="http://schemas.openxmlformats.org/officeDocument/2006/relationships" xmlns:p="http://schemas.openxmlformats.org/presentationml/2006/main">
-  <p:cSld>
-    <p:spTree>
-      <p:nvGrpSpPr>
-        <p:cNvPr id="1" name=""/>
-        <p:cNvGrpSpPr/>
-        <p:nvPr/>
-      </p:nvGrpSpPr>
-      <p:grpSpPr>
-        <a:xfrm>
-          <a:off x="0" y="0"/>
-          <a:ext cx="0" cy="0"/>
-          <a:chOff x="0" y="0"/>
-          <a:chExt cx="0" cy="0"/>
-        </a:xfrm>
-      </p:grpSpPr>
-      <p:sp>
-        <p:nvSpPr>
-          <p:cNvPr id="2" name="제목 1"/>
-          <p:cNvSpPr>
-            <a:spLocks noGrp="1"/>
-          </p:cNvSpPr>
-          <p:nvPr>
-            <p:ph type="title"/>
-          </p:nvPr>
-        </p:nvSpPr>
-        <p:spPr/>
-        <p:txBody>
-          <a:bodyPr/>
-          <a:lstStyle/>
-          <a:p>
-            <a:r>
-              <a:rPr lang="en-US" altLang="ko-KR" dirty="0"/>
-              <a:t>Builder </a:t>
-            </a:r>
-            <a:r>
-              <a:rPr lang="ko-KR" altLang="en-US" dirty="0" smtClean="0"/>
-              <a:t>패턴 주의사항</a:t>
-            </a:r>
-            <a:endParaRPr lang="ko-KR" altLang="en-US" dirty="0"/>
-          </a:p>
-        </p:txBody>
-      </p:sp>
-      <p:sp>
-        <p:nvSpPr>
-          <p:cNvPr id="3" name="내용 개체 틀 2"/>
-          <p:cNvSpPr>
-            <a:spLocks noGrp="1"/>
-          </p:cNvSpPr>
-          <p:nvPr>
-            <p:ph idx="1"/>
-          </p:nvPr>
-        </p:nvSpPr>
-        <p:spPr/>
-        <p:txBody>
-          <a:bodyPr/>
-          <a:lstStyle/>
-          <a:p>
-            <a:pPr marL="171450" indent="-171450">
-              <a:buFont typeface="Arial" pitchFamily="34" charset="0"/>
-              <a:buChar char="•"/>
-            </a:pPr>
-            <a:r>
-              <a:rPr lang="en-US" altLang="ko-KR" sz="1600" dirty="0" smtClean="0"/>
-              <a:t>Builder </a:t>
-            </a:r>
-            <a:r>
-              <a:rPr lang="ko-KR" altLang="en-US" sz="1600" dirty="0" smtClean="0"/>
-              <a:t>클래스는 앞으로 늘어날지도 모르는 </a:t>
-            </a:r>
-            <a:r>
-              <a:rPr lang="en-US" altLang="ko-KR" sz="1600" dirty="0" err="1" smtClean="0"/>
-              <a:t>ConcreteBuilder</a:t>
-            </a:r>
-            <a:r>
-              <a:rPr lang="ko-KR" altLang="en-US" sz="1600" dirty="0" smtClean="0"/>
-              <a:t>클래스의 요구에 대응할 필요가 있다</a:t>
-            </a:r>
-            <a:r>
-              <a:rPr lang="en-US" altLang="ko-KR" sz="1600" dirty="0" smtClean="0"/>
-              <a:t>.</a:t>
-            </a:r>
-            <a:endParaRPr lang="ko-KR" altLang="en-US" sz="1600" dirty="0"/>
-          </a:p>
-        </p:txBody>
-      </p:sp>
-    </p:spTree>
-    <p:extLst>
-      <p:ext uri="{BB962C8B-B14F-4D97-AF65-F5344CB8AC3E}">
-        <p14:creationId xmlns:p14="http://schemas.microsoft.com/office/powerpoint/2010/main" val="2147844724"/>
       </p:ext>
     </p:extLst>
   </p:cSld>
@@ -5784,6 +4940,13 @@
   <p:clrMapOvr>
     <a:masterClrMapping/>
   </p:clrMapOvr>
+  <p:timing>
+    <p:tnLst>
+      <p:par>
+        <p:cTn id="1" dur="indefinite" restart="never" nodeType="tmRoot"/>
+      </p:par>
+    </p:tnLst>
+  </p:timing>
 </p:sld>
 </file>
 
@@ -5825,7 +4988,7 @@
             </a:r>
             <a:r>
               <a:rPr lang="ko-KR" altLang="en-US" dirty="0" smtClean="0"/>
-              <a:t>패턴 단점</a:t>
+              <a:t>패턴 예제</a:t>
             </a:r>
             <a:endParaRPr lang="ko-KR" altLang="en-US" dirty="0"/>
           </a:p>
@@ -5850,14 +5013,6 @@
               <a:buFont typeface="Arial" panose="020B0604020202020204" pitchFamily="34" charset="0"/>
               <a:buChar char="•"/>
             </a:pPr>
-            <a:r>
-              <a:rPr lang="ko-KR" altLang="en-US" sz="1600" dirty="0" smtClean="0"/>
-              <a:t>디자인이 복잡해진다</a:t>
-            </a:r>
-            <a:r>
-              <a:rPr lang="en-US" altLang="ko-KR" sz="1600" dirty="0" smtClean="0"/>
-              <a:t>.</a:t>
-            </a:r>
             <a:endParaRPr lang="ko-KR" altLang="en-US" sz="1600" dirty="0"/>
           </a:p>
         </p:txBody>
@@ -5865,13 +5020,20 @@
     </p:spTree>
     <p:extLst>
       <p:ext uri="{BB962C8B-B14F-4D97-AF65-F5344CB8AC3E}">
-        <p14:creationId xmlns:p14="http://schemas.microsoft.com/office/powerpoint/2010/main" val="2260138726"/>
+        <p14:creationId xmlns:p14="http://schemas.microsoft.com/office/powerpoint/2010/main" val="3571972760"/>
       </p:ext>
     </p:extLst>
   </p:cSld>
   <p:clrMapOvr>
     <a:masterClrMapping/>
   </p:clrMapOvr>
+  <p:timing>
+    <p:tnLst>
+      <p:par>
+        <p:cTn id="1" dur="indefinite" restart="never" nodeType="tmRoot"/>
+      </p:par>
+    </p:tnLst>
+  </p:timing>
 </p:sld>
 </file>
 
@@ -5908,12 +5070,12 @@
           <a:lstStyle/>
           <a:p>
             <a:r>
-              <a:rPr lang="en-US" altLang="ko-KR" dirty="0" smtClean="0"/>
-              <a:t>Builder </a:t>
+              <a:rPr lang="en-US" altLang="ko-KR" dirty="0"/>
+              <a:t>Bridge </a:t>
             </a:r>
             <a:r>
               <a:rPr lang="ko-KR" altLang="en-US" dirty="0" smtClean="0"/>
-              <a:t>패턴</a:t>
+              <a:t>패턴 예제</a:t>
             </a:r>
             <a:endParaRPr lang="ko-KR" altLang="en-US" dirty="0"/>
           </a:p>
@@ -5934,66 +5096,38 @@
           <a:bodyPr/>
           <a:lstStyle/>
           <a:p>
-            <a:pPr lvl="0"/>
-            <a:r>
-              <a:rPr lang="ko-KR" altLang="en-US" sz="1600" dirty="0"/>
-              <a:t>복합 객체의 생성 과정과 표현 방법을 분리하여 동일한 생성 절차에서 서로 다른 표현 결과를 만들 수 있게 하는 </a:t>
+            <a:pPr marL="171450" indent="-171450">
+              <a:buFont typeface="Arial" panose="020B0604020202020204" pitchFamily="34" charset="0"/>
+              <a:buChar char="•"/>
+            </a:pPr>
+            <a:r>
+              <a:rPr lang="en-US" altLang="ko-KR" sz="1600" dirty="0" smtClean="0"/>
+              <a:t>‘</a:t>
             </a:r>
             <a:r>
               <a:rPr lang="ko-KR" altLang="en-US" sz="1600" dirty="0" smtClean="0"/>
-              <a:t>패턴</a:t>
-            </a:r>
-            <a:endParaRPr lang="ko-KR" altLang="en-US" sz="1600" dirty="0"/>
+              <a:t>랜덤횟수를 표시한다</a:t>
+            </a:r>
+            <a:r>
+              <a:rPr lang="en-US" altLang="ko-KR" sz="1600" dirty="0" smtClean="0"/>
+              <a:t>’</a:t>
+            </a:r>
+            <a:r>
+              <a:rPr lang="ko-KR" altLang="en-US" sz="1600" dirty="0" smtClean="0"/>
+              <a:t>는 처리를 구현하려면</a:t>
+            </a:r>
+            <a:r>
+              <a:rPr lang="en-US" altLang="ko-KR" sz="1600" smtClean="0"/>
+              <a:t>?</a:t>
+            </a:r>
+            <a:endParaRPr lang="en-US" altLang="ko-KR" sz="1600" dirty="0" smtClean="0"/>
           </a:p>
         </p:txBody>
       </p:sp>
-      <p:pic>
-        <p:nvPicPr>
-          <p:cNvPr id="1026" name="Picture 2" descr="C:\Users\Administrator\Desktop\1400px-Builder_UML_class_diagram.svg.png"/>
-          <p:cNvPicPr>
-            <a:picLocks noChangeAspect="1" noChangeArrowheads="1"/>
-          </p:cNvPicPr>
-          <p:nvPr/>
-        </p:nvPicPr>
-        <p:blipFill>
-          <a:blip r:embed="rId3">
-            <a:extLst>
-              <a:ext uri="{28A0092B-C50C-407E-A947-70E740481C1C}">
-                <a14:useLocalDpi xmlns:a14="http://schemas.microsoft.com/office/drawing/2010/main" val="0"/>
-              </a:ext>
-            </a:extLst>
-          </a:blip>
-          <a:srcRect/>
-          <a:stretch>
-            <a:fillRect/>
-          </a:stretch>
-        </p:blipFill>
-        <p:spPr bwMode="auto">
-          <a:xfrm>
-            <a:off x="1331640" y="2863223"/>
-            <a:ext cx="6480720" cy="2221961"/>
-          </a:xfrm>
-          <a:prstGeom prst="roundRect">
-            <a:avLst>
-              <a:gd name="adj" fmla="val 8594"/>
-            </a:avLst>
-          </a:prstGeom>
-          <a:solidFill>
-            <a:srgbClr val="FFFFFF">
-              <a:shade val="85000"/>
-            </a:srgbClr>
-          </a:solidFill>
-          <a:ln>
-            <a:noFill/>
-          </a:ln>
-          <a:effectLst/>
-          <a:extLst/>
-        </p:spPr>
-      </p:pic>
     </p:spTree>
     <p:extLst>
       <p:ext uri="{BB962C8B-B14F-4D97-AF65-F5344CB8AC3E}">
-        <p14:creationId xmlns:p14="http://schemas.microsoft.com/office/powerpoint/2010/main" val="3801523855"/>
+        <p14:creationId xmlns:p14="http://schemas.microsoft.com/office/powerpoint/2010/main" val="2190740235"/>
       </p:ext>
     </p:extLst>
   </p:cSld>
@@ -6044,11 +5178,11 @@
           <a:p>
             <a:r>
               <a:rPr lang="en-US" altLang="ko-KR" dirty="0"/>
-              <a:t>Builder </a:t>
+              <a:t>Bridge </a:t>
             </a:r>
             <a:r>
               <a:rPr lang="ko-KR" altLang="en-US" dirty="0" smtClean="0"/>
-              <a:t>패턴의 배경</a:t>
+              <a:t>패턴 예제</a:t>
             </a:r>
             <a:endParaRPr lang="ko-KR" altLang="en-US" dirty="0"/>
           </a:p>
@@ -6069,47 +5203,64 @@
           <a:bodyPr/>
           <a:lstStyle/>
           <a:p>
-            <a:pPr marL="285750" lvl="0" indent="-285750">
-              <a:buFont typeface="Arial" pitchFamily="34" charset="0"/>
+            <a:pPr marL="171450" indent="-171450">
+              <a:buFont typeface="Arial" panose="020B0604020202020204" pitchFamily="34" charset="0"/>
               <a:buChar char="•"/>
             </a:pPr>
             <a:r>
               <a:rPr lang="en-US" altLang="ko-KR" sz="1600" dirty="0" smtClean="0"/>
-              <a:t>Telescoping constructor anti pattern </a:t>
+              <a:t>‘</a:t>
             </a:r>
             <a:r>
               <a:rPr lang="ko-KR" altLang="en-US" sz="1600" dirty="0" smtClean="0"/>
-              <a:t>의 해결책을 찾기 위한 것</a:t>
+              <a:t>랜덤횟수를 표시한다</a:t>
             </a:r>
             <a:r>
               <a:rPr lang="en-US" altLang="ko-KR" sz="1600" dirty="0" smtClean="0"/>
-              <a:t/>
-            </a:r>
-            <a:br>
+              <a:t>’</a:t>
+            </a:r>
+            <a:r>
+              <a:rPr lang="ko-KR" altLang="en-US" sz="1600" dirty="0" smtClean="0"/>
+              <a:t>는 처리를 구현하려면</a:t>
+            </a:r>
+            <a:r>
               <a:rPr lang="en-US" altLang="ko-KR" sz="1600" dirty="0" smtClean="0"/>
-            </a:br>
-            <a:r>
-              <a:rPr lang="en-US" altLang="ko-KR" sz="1600" dirty="0" smtClean="0"/>
-              <a:t/>
-            </a:r>
-            <a:br>
-              <a:rPr lang="en-US" altLang="ko-KR" sz="1600" dirty="0" smtClean="0"/>
-            </a:br>
-            <a:endParaRPr lang="en-US" altLang="ko-KR" sz="1600" dirty="0" smtClean="0"/>
-          </a:p>
-          <a:p>
-            <a:pPr marL="285750" lvl="0" indent="-285750">
-              <a:buFont typeface="Arial" pitchFamily="34" charset="0"/>
+              <a:t>?</a:t>
+            </a:r>
+          </a:p>
+          <a:p>
+            <a:pPr marL="171450" indent="-171450">
+              <a:buFont typeface="Arial" panose="020B0604020202020204" pitchFamily="34" charset="0"/>
               <a:buChar char="•"/>
             </a:pPr>
-            <a:endParaRPr lang="en-US" altLang="ko-KR" sz="1600" dirty="0" smtClean="0"/>
+            <a:r>
+              <a:rPr lang="en-US" altLang="ko-KR" sz="1600" dirty="0" smtClean="0"/>
+              <a:t>‘</a:t>
+            </a:r>
+            <a:r>
+              <a:rPr lang="ko-KR" altLang="en-US" sz="1600" dirty="0" smtClean="0"/>
+              <a:t>텍스트 파일의 내용을 표시한다</a:t>
+            </a:r>
+            <a:r>
+              <a:rPr lang="en-US" altLang="ko-KR" sz="1600" dirty="0" smtClean="0"/>
+              <a:t>’</a:t>
+            </a:r>
+            <a:r>
+              <a:rPr lang="ko-KR" altLang="en-US" sz="1600" dirty="0" smtClean="0"/>
+              <a:t>는 처리를 구현하려면</a:t>
+            </a:r>
+            <a:r>
+              <a:rPr lang="en-US" altLang="ko-KR" sz="1600" dirty="0" smtClean="0"/>
+              <a:t>?</a:t>
+            </a:r>
+            <a:endParaRPr lang="ko-KR" altLang="en-US" sz="1600" dirty="0"/>
           </a:p>
         </p:txBody>
       </p:sp>
     </p:spTree>
     <p:extLst>
       <p:ext uri="{BB962C8B-B14F-4D97-AF65-F5344CB8AC3E}">
-        <p14:creationId xmlns:p14="http://schemas.microsoft.com/office/powerpoint/2010/main" val="3150471558"/>
+        <p14:creationId xmlns:p14="http://schemas.microsoft.com/office/powerpoint/2010/main" val="1293327344"/>
       </p:ext>
     </p:extLst>
   </p:cSld>
@@ -6160,12 +5311,13 @@
           <a:p>
             <a:r>
               <a:rPr lang="en-US" altLang="ko-KR" dirty="0"/>
-              <a:t>Builder </a:t>
-            </a:r>
-            <a:r>
-              <a:rPr lang="ko-KR" altLang="en-US" dirty="0"/>
-              <a:t>패턴</a:t>
-            </a:r>
+              <a:t>Bridge </a:t>
+            </a:r>
+            <a:r>
+              <a:rPr lang="ko-KR" altLang="en-US" dirty="0" smtClean="0"/>
+              <a:t>패턴 단점</a:t>
+            </a:r>
+            <a:endParaRPr lang="ko-KR" altLang="en-US" dirty="0"/>
           </a:p>
         </p:txBody>
       </p:sp>
@@ -6184,159 +5336,26 @@
           <a:bodyPr/>
           <a:lstStyle/>
           <a:p>
-            <a:pPr lvl="0"/>
-            <a:endParaRPr lang="en-US" altLang="ko-KR" sz="1600" dirty="0" smtClean="0"/>
-          </a:p>
-          <a:p>
-            <a:pPr lvl="0"/>
-            <a:endParaRPr lang="en-US" altLang="ko-KR" sz="1600" dirty="0"/>
-          </a:p>
-          <a:p>
-            <a:pPr lvl="0"/>
-            <a:endParaRPr lang="en-US" altLang="ko-KR" sz="1600" dirty="0" smtClean="0"/>
-          </a:p>
-          <a:p>
-            <a:pPr lvl="0"/>
-            <a:endParaRPr lang="en-US" altLang="ko-KR" sz="1600" dirty="0"/>
-          </a:p>
-          <a:p>
-            <a:pPr lvl="0"/>
-            <a:endParaRPr lang="en-US" altLang="ko-KR" sz="1400" dirty="0" smtClean="0"/>
-          </a:p>
-          <a:p>
-            <a:pPr marL="285750" lvl="0" indent="-285750">
-              <a:buFont typeface="Arial" pitchFamily="34" charset="0"/>
+            <a:pPr marL="171450" indent="-171450">
+              <a:buFont typeface="Arial" panose="020B0604020202020204" pitchFamily="34" charset="0"/>
               <a:buChar char="•"/>
             </a:pPr>
-            <a:endParaRPr lang="en-US" altLang="ko-KR" sz="1100" dirty="0" smtClean="0"/>
-          </a:p>
-          <a:p>
-            <a:pPr marL="285750" lvl="0" indent="-285750">
-              <a:buFont typeface="Arial" pitchFamily="34" charset="0"/>
-              <a:buChar char="•"/>
-            </a:pPr>
-            <a:r>
-              <a:rPr lang="en-US" altLang="ko-KR" sz="1600" dirty="0" smtClean="0"/>
-              <a:t>Builder</a:t>
-            </a:r>
-          </a:p>
-          <a:p>
-            <a:pPr marL="465750" lvl="1" indent="-285750">
-              <a:buFont typeface="Arial" pitchFamily="34" charset="0"/>
-              <a:buChar char="•"/>
-            </a:pPr>
-            <a:r>
-              <a:rPr lang="ko-KR" altLang="en-US" sz="1600" dirty="0" err="1" smtClean="0"/>
-              <a:t>인스턴스를</a:t>
-            </a:r>
             <a:r>
               <a:rPr lang="ko-KR" altLang="en-US" sz="1600" dirty="0" smtClean="0"/>
-              <a:t> 생성하기 위한 인터페이스를 결정</a:t>
-            </a:r>
-            <a:r>
-              <a:rPr lang="en-US" altLang="ko-KR" sz="1600" dirty="0" smtClean="0"/>
-              <a:t>. </a:t>
-            </a:r>
-            <a:r>
-              <a:rPr lang="ko-KR" altLang="en-US" sz="1600" dirty="0" err="1" smtClean="0"/>
-              <a:t>인스턴스의</a:t>
-            </a:r>
-            <a:r>
-              <a:rPr lang="ko-KR" altLang="en-US" sz="1600" dirty="0" smtClean="0"/>
-              <a:t> 각 부분을 만들기 위한 </a:t>
-            </a:r>
-            <a:r>
-              <a:rPr lang="ko-KR" altLang="en-US" sz="1600" dirty="0" err="1" smtClean="0"/>
-              <a:t>메소드를</a:t>
-            </a:r>
-            <a:r>
-              <a:rPr lang="ko-KR" altLang="en-US" sz="1600" dirty="0" smtClean="0"/>
-              <a:t> 가진다</a:t>
+              <a:t>디자인이 복잡해진다</a:t>
             </a:r>
             <a:r>
               <a:rPr lang="en-US" altLang="ko-KR" sz="1600" dirty="0" smtClean="0"/>
               <a:t>.</a:t>
             </a:r>
-          </a:p>
-          <a:p>
-            <a:pPr marL="285750" indent="-285750">
-              <a:buFont typeface="Arial" pitchFamily="34" charset="0"/>
-              <a:buChar char="•"/>
-            </a:pPr>
-            <a:r>
-              <a:rPr lang="en-US" altLang="ko-KR" sz="1600" dirty="0" err="1" smtClean="0"/>
-              <a:t>ConcreteBuilder</a:t>
-            </a:r>
-            <a:endParaRPr lang="en-US" altLang="ko-KR" sz="1600" dirty="0" smtClean="0"/>
-          </a:p>
-          <a:p>
-            <a:pPr marL="465750" lvl="1" indent="-285750">
-              <a:buFont typeface="Arial" pitchFamily="34" charset="0"/>
-              <a:buChar char="•"/>
-            </a:pPr>
-            <a:r>
-              <a:rPr lang="en-US" altLang="ko-KR" sz="1600" dirty="0" smtClean="0"/>
-              <a:t>Builder</a:t>
-            </a:r>
-            <a:r>
-              <a:rPr lang="ko-KR" altLang="en-US" sz="1600" dirty="0" smtClean="0"/>
-              <a:t>를 구현하고 있는 클래스</a:t>
-            </a:r>
-            <a:r>
-              <a:rPr lang="en-US" altLang="ko-KR" sz="1600" dirty="0" smtClean="0"/>
-              <a:t>.</a:t>
-            </a:r>
             <a:endParaRPr lang="ko-KR" altLang="en-US" sz="1600" dirty="0"/>
           </a:p>
         </p:txBody>
       </p:sp>
-      <p:pic>
-        <p:nvPicPr>
-          <p:cNvPr id="5" name="Picture 2" descr="C:\Users\Administrator\Desktop\1400px-Builder_UML_class_diagram.svg.png"/>
-          <p:cNvPicPr>
-            <a:picLocks noChangeAspect="1" noChangeArrowheads="1"/>
-          </p:cNvPicPr>
-          <p:nvPr/>
-        </p:nvPicPr>
-        <p:blipFill>
-          <a:blip r:embed="rId3">
-            <a:extLst>
-              <a:ext uri="{28A0092B-C50C-407E-A947-70E740481C1C}">
-                <a14:useLocalDpi xmlns:a14="http://schemas.microsoft.com/office/drawing/2010/main" val="0"/>
-              </a:ext>
-            </a:extLst>
-          </a:blip>
-          <a:srcRect/>
-          <a:stretch>
-            <a:fillRect/>
-          </a:stretch>
-        </p:blipFill>
-        <p:spPr bwMode="auto">
-          <a:xfrm>
-            <a:off x="1331640" y="1207039"/>
-            <a:ext cx="6480720" cy="2221961"/>
-          </a:xfrm>
-          <a:prstGeom prst="roundRect">
-            <a:avLst>
-              <a:gd name="adj" fmla="val 8594"/>
-            </a:avLst>
-          </a:prstGeom>
-          <a:solidFill>
-            <a:srgbClr val="FFFFFF">
-              <a:shade val="85000"/>
-            </a:srgbClr>
-          </a:solidFill>
-          <a:ln>
-            <a:noFill/>
-          </a:ln>
-          <a:effectLst/>
-          <a:extLst/>
-        </p:spPr>
-      </p:pic>
     </p:spTree>
     <p:extLst>
       <p:ext uri="{BB962C8B-B14F-4D97-AF65-F5344CB8AC3E}">
-        <p14:creationId xmlns:p14="http://schemas.microsoft.com/office/powerpoint/2010/main" val="2267128423"/>
+        <p14:creationId xmlns:p14="http://schemas.microsoft.com/office/powerpoint/2010/main" val="2260138726"/>
       </p:ext>
     </p:extLst>
   </p:cSld>
@@ -6385,14 +5404,7 @@
           <a:bodyPr/>
           <a:lstStyle/>
           <a:p>
-            <a:r>
-              <a:rPr lang="en-US" altLang="ko-KR" dirty="0"/>
-              <a:t>Builder </a:t>
-            </a:r>
-            <a:r>
-              <a:rPr lang="ko-KR" altLang="en-US" dirty="0"/>
-              <a:t>패턴</a:t>
-            </a:r>
+            <a:endParaRPr lang="ko-KR" altLang="en-US"/>
           </a:p>
         </p:txBody>
       </p:sp>
@@ -6411,304 +5423,39 @@
           <a:bodyPr/>
           <a:lstStyle/>
           <a:p>
-            <a:pPr lvl="0"/>
-            <a:endParaRPr lang="en-US" altLang="ko-KR" sz="1600" dirty="0" smtClean="0"/>
-          </a:p>
-          <a:p>
-            <a:pPr lvl="0"/>
-            <a:endParaRPr lang="en-US" altLang="ko-KR" sz="1600" dirty="0"/>
-          </a:p>
-          <a:p>
-            <a:pPr lvl="0"/>
-            <a:endParaRPr lang="en-US" altLang="ko-KR" sz="1600" dirty="0" smtClean="0"/>
-          </a:p>
-          <a:p>
-            <a:pPr lvl="0"/>
-            <a:endParaRPr lang="en-US" altLang="ko-KR" sz="1600" dirty="0"/>
-          </a:p>
-          <a:p>
-            <a:pPr lvl="0"/>
-            <a:endParaRPr lang="en-US" altLang="ko-KR" sz="1400" dirty="0" smtClean="0"/>
-          </a:p>
-          <a:p>
-            <a:pPr marL="285750" lvl="0" indent="-285750">
-              <a:buFont typeface="Arial" pitchFamily="34" charset="0"/>
-              <a:buChar char="•"/>
-            </a:pPr>
-            <a:endParaRPr lang="en-US" altLang="ko-KR" sz="1100" dirty="0" smtClean="0"/>
-          </a:p>
-          <a:p>
-            <a:pPr marL="285750" lvl="0" indent="-285750">
-              <a:buFont typeface="Arial" pitchFamily="34" charset="0"/>
-              <a:buChar char="•"/>
-            </a:pPr>
-            <a:r>
-              <a:rPr lang="en-US" altLang="ko-KR" sz="1600" dirty="0" smtClean="0"/>
-              <a:t>Director</a:t>
-            </a:r>
-          </a:p>
-          <a:p>
-            <a:pPr marL="465750" lvl="1" indent="-285750">
-              <a:buFont typeface="Arial" pitchFamily="34" charset="0"/>
-              <a:buChar char="•"/>
-            </a:pPr>
-            <a:r>
-              <a:rPr lang="en-US" altLang="ko-KR" sz="1600" dirty="0" smtClean="0"/>
-              <a:t>Builder </a:t>
-            </a:r>
-            <a:r>
-              <a:rPr lang="ko-KR" altLang="en-US" sz="1600" dirty="0" smtClean="0"/>
-              <a:t>역할의 인터페이스를 사용해서 </a:t>
-            </a:r>
-            <a:r>
-              <a:rPr lang="ko-KR" altLang="en-US" sz="1600" dirty="0" err="1" smtClean="0"/>
-              <a:t>인스턴스를</a:t>
-            </a:r>
-            <a:r>
-              <a:rPr lang="ko-KR" altLang="en-US" sz="1600" dirty="0" smtClean="0"/>
-              <a:t> 생성</a:t>
-            </a:r>
-            <a:r>
-              <a:rPr lang="en-US" altLang="ko-KR" sz="1600" dirty="0" smtClean="0"/>
-              <a:t>. </a:t>
-            </a:r>
-            <a:r>
-              <a:rPr lang="en-US" altLang="ko-KR" sz="1600" dirty="0" err="1" smtClean="0"/>
-              <a:t>ConcreteBuilder</a:t>
-            </a:r>
-            <a:r>
-              <a:rPr lang="ko-KR" altLang="en-US" sz="1600" dirty="0" smtClean="0"/>
-              <a:t>에 </a:t>
-            </a:r>
-            <a:r>
-              <a:rPr lang="en-US" altLang="ko-KR" sz="1600" dirty="0" smtClean="0"/>
-              <a:t/>
-            </a:r>
-            <a:br>
-              <a:rPr lang="en-US" altLang="ko-KR" sz="1600" dirty="0" smtClean="0"/>
-            </a:br>
-            <a:r>
-              <a:rPr lang="ko-KR" altLang="en-US" sz="1600" dirty="0" smtClean="0"/>
-              <a:t>의존하지 않고</a:t>
-            </a:r>
-            <a:r>
-              <a:rPr lang="en-US" altLang="ko-KR" sz="1600" dirty="0" smtClean="0"/>
-              <a:t>, Builder </a:t>
-            </a:r>
-            <a:r>
-              <a:rPr lang="ko-KR" altLang="en-US" sz="1600" dirty="0" smtClean="0"/>
-              <a:t>역할의 </a:t>
-            </a:r>
-            <a:r>
-              <a:rPr lang="ko-KR" altLang="en-US" sz="1600" dirty="0" err="1" smtClean="0"/>
-              <a:t>메소드만</a:t>
-            </a:r>
-            <a:r>
-              <a:rPr lang="ko-KR" altLang="en-US" sz="1600" dirty="0" smtClean="0"/>
-              <a:t> 사용</a:t>
-            </a:r>
-            <a:endParaRPr lang="en-US" altLang="ko-KR" sz="1600" dirty="0" smtClean="0"/>
-          </a:p>
-          <a:p>
-            <a:pPr marL="285750" indent="-285750">
-              <a:buFont typeface="Arial" pitchFamily="34" charset="0"/>
-              <a:buChar char="•"/>
-            </a:pPr>
-            <a:r>
-              <a:rPr lang="en-US" altLang="ko-KR" sz="1600" dirty="0" smtClean="0"/>
-              <a:t>Client</a:t>
-            </a:r>
-          </a:p>
-          <a:p>
-            <a:pPr marL="465750" lvl="1" indent="-285750">
-              <a:buFont typeface="Arial" pitchFamily="34" charset="0"/>
-              <a:buChar char="•"/>
-            </a:pPr>
-            <a:r>
-              <a:rPr lang="en-US" altLang="ko-KR" sz="1600" dirty="0" smtClean="0"/>
-              <a:t>Builder </a:t>
-            </a:r>
-            <a:r>
-              <a:rPr lang="ko-KR" altLang="en-US" sz="1600" dirty="0" smtClean="0"/>
-              <a:t>패턴을 사용하는 역할</a:t>
-            </a:r>
-            <a:endParaRPr lang="ko-KR" altLang="en-US" sz="1600" dirty="0"/>
+            <a:pPr algn="ctr"/>
+            <a:endParaRPr lang="en-US" altLang="ko-KR" sz="2000" dirty="0" smtClean="0"/>
+          </a:p>
+          <a:p>
+            <a:pPr algn="ctr"/>
+            <a:endParaRPr lang="en-US" altLang="ko-KR" sz="2000" dirty="0"/>
+          </a:p>
+          <a:p>
+            <a:pPr algn="ctr"/>
+            <a:endParaRPr lang="en-US" altLang="ko-KR" sz="2000" dirty="0" smtClean="0"/>
+          </a:p>
+          <a:p>
+            <a:pPr algn="ctr"/>
+            <a:endParaRPr lang="en-US" altLang="ko-KR" sz="2000" dirty="0"/>
+          </a:p>
+          <a:p>
+            <a:pPr algn="ctr"/>
+            <a:r>
+              <a:rPr lang="ko-KR" altLang="en-US" sz="2000" dirty="0" smtClean="0"/>
+              <a:t>끝</a:t>
+            </a:r>
+            <a:r>
+              <a:rPr lang="en-US" altLang="ko-KR" sz="2000" dirty="0" smtClean="0"/>
+              <a:t>.</a:t>
+            </a:r>
+            <a:endParaRPr lang="ko-KR" altLang="en-US" sz="2000" dirty="0"/>
           </a:p>
         </p:txBody>
       </p:sp>
-      <p:pic>
-        <p:nvPicPr>
-          <p:cNvPr id="5" name="Picture 2" descr="C:\Users\Administrator\Desktop\1400px-Builder_UML_class_diagram.svg.png"/>
-          <p:cNvPicPr>
-            <a:picLocks noChangeAspect="1" noChangeArrowheads="1"/>
-          </p:cNvPicPr>
-          <p:nvPr/>
-        </p:nvPicPr>
-        <p:blipFill>
-          <a:blip r:embed="rId3">
-            <a:extLst>
-              <a:ext uri="{28A0092B-C50C-407E-A947-70E740481C1C}">
-                <a14:useLocalDpi xmlns:a14="http://schemas.microsoft.com/office/drawing/2010/main" val="0"/>
-              </a:ext>
-            </a:extLst>
-          </a:blip>
-          <a:srcRect/>
-          <a:stretch>
-            <a:fillRect/>
-          </a:stretch>
-        </p:blipFill>
-        <p:spPr bwMode="auto">
-          <a:xfrm>
-            <a:off x="1331640" y="1207039"/>
-            <a:ext cx="6480720" cy="2221961"/>
-          </a:xfrm>
-          <a:prstGeom prst="roundRect">
-            <a:avLst>
-              <a:gd name="adj" fmla="val 8594"/>
-            </a:avLst>
-          </a:prstGeom>
-          <a:solidFill>
-            <a:srgbClr val="FFFFFF">
-              <a:shade val="85000"/>
-            </a:srgbClr>
-          </a:solidFill>
-          <a:ln>
-            <a:noFill/>
-          </a:ln>
-          <a:effectLst/>
-          <a:extLst/>
-        </p:spPr>
-      </p:pic>
     </p:spTree>
     <p:extLst>
       <p:ext uri="{BB962C8B-B14F-4D97-AF65-F5344CB8AC3E}">
-        <p14:creationId xmlns:p14="http://schemas.microsoft.com/office/powerpoint/2010/main" val="874322858"/>
-      </p:ext>
-    </p:extLst>
-  </p:cSld>
-  <p:clrMapOvr>
-    <a:masterClrMapping/>
-  </p:clrMapOvr>
-  <p:timing>
-    <p:tnLst>
-      <p:par>
-        <p:cTn id="1" dur="indefinite" restart="never" nodeType="tmRoot"/>
-      </p:par>
-    </p:tnLst>
-  </p:timing>
-</p:sld>
-</file>
-
-<file path=ppt/slides/slide9.xml><?xml version="1.0" encoding="utf-8"?>
-<p:sld xmlns:a="http://schemas.openxmlformats.org/drawingml/2006/main" xmlns:r="http://schemas.openxmlformats.org/officeDocument/2006/relationships" xmlns:p="http://schemas.openxmlformats.org/presentationml/2006/main">
-  <p:cSld>
-    <p:spTree>
-      <p:nvGrpSpPr>
-        <p:cNvPr id="1" name=""/>
-        <p:cNvGrpSpPr/>
-        <p:nvPr/>
-      </p:nvGrpSpPr>
-      <p:grpSpPr>
-        <a:xfrm>
-          <a:off x="0" y="0"/>
-          <a:ext cx="0" cy="0"/>
-          <a:chOff x="0" y="0"/>
-          <a:chExt cx="0" cy="0"/>
-        </a:xfrm>
-      </p:grpSpPr>
-      <p:sp>
-        <p:nvSpPr>
-          <p:cNvPr id="2" name="제목 1"/>
-          <p:cNvSpPr>
-            <a:spLocks noGrp="1"/>
-          </p:cNvSpPr>
-          <p:nvPr>
-            <p:ph type="title"/>
-          </p:nvPr>
-        </p:nvSpPr>
-        <p:spPr/>
-        <p:txBody>
-          <a:bodyPr/>
-          <a:lstStyle/>
-          <a:p>
-            <a:r>
-              <a:rPr lang="en-US" altLang="ko-KR" dirty="0"/>
-              <a:t>Builder </a:t>
-            </a:r>
-            <a:r>
-              <a:rPr lang="ko-KR" altLang="en-US" dirty="0" smtClean="0"/>
-              <a:t>패턴 예제</a:t>
-            </a:r>
-            <a:endParaRPr lang="ko-KR" altLang="en-US" dirty="0"/>
-          </a:p>
-        </p:txBody>
-      </p:sp>
-      <p:sp>
-        <p:nvSpPr>
-          <p:cNvPr id="3" name="내용 개체 틀 2"/>
-          <p:cNvSpPr>
-            <a:spLocks noGrp="1"/>
-          </p:cNvSpPr>
-          <p:nvPr>
-            <p:ph idx="1"/>
-          </p:nvPr>
-        </p:nvSpPr>
-        <p:spPr/>
-        <p:txBody>
-          <a:bodyPr/>
-          <a:lstStyle/>
-          <a:p>
-            <a:endParaRPr lang="ko-KR" altLang="en-US" dirty="0"/>
-          </a:p>
-        </p:txBody>
-      </p:sp>
-      <p:pic>
-        <p:nvPicPr>
-          <p:cNvPr id="4" name="Picture 2" descr="C:\Users\Administrator\Desktop\1400px-Builder_UML_class_diagram.svg.png"/>
-          <p:cNvPicPr>
-            <a:picLocks noChangeAspect="1" noChangeArrowheads="1"/>
-          </p:cNvPicPr>
-          <p:nvPr/>
-        </p:nvPicPr>
-        <p:blipFill>
-          <a:blip r:embed="rId2">
-            <a:extLst>
-              <a:ext uri="{28A0092B-C50C-407E-A947-70E740481C1C}">
-                <a14:useLocalDpi xmlns:a14="http://schemas.microsoft.com/office/drawing/2010/main" val="0"/>
-              </a:ext>
-            </a:extLst>
-          </a:blip>
-          <a:srcRect/>
-          <a:stretch>
-            <a:fillRect/>
-          </a:stretch>
-        </p:blipFill>
-        <p:spPr bwMode="auto">
-          <a:xfrm>
-            <a:off x="1331640" y="1207039"/>
-            <a:ext cx="6480720" cy="2221961"/>
-          </a:xfrm>
-          <a:prstGeom prst="roundRect">
-            <a:avLst>
-              <a:gd name="adj" fmla="val 8594"/>
-            </a:avLst>
-          </a:prstGeom>
-          <a:solidFill>
-            <a:srgbClr val="FFFFFF">
-              <a:shade val="85000"/>
-            </a:srgbClr>
-          </a:solidFill>
-          <a:ln>
-            <a:noFill/>
-          </a:ln>
-          <a:effectLst/>
-          <a:extLst/>
-        </p:spPr>
-      </p:pic>
-    </p:spTree>
-    <p:extLst>
-      <p:ext uri="{BB962C8B-B14F-4D97-AF65-F5344CB8AC3E}">
-        <p14:creationId xmlns:p14="http://schemas.microsoft.com/office/powerpoint/2010/main" val="1753518173"/>
+        <p14:creationId xmlns:p14="http://schemas.microsoft.com/office/powerpoint/2010/main" val="2711107262"/>
       </p:ext>
     </p:extLst>
   </p:cSld>

--- a/src/_ppt/ch9.pptx
+++ b/src/_ppt/ch9.pptx
@@ -4616,7 +4616,7 @@
         </p:blipFill>
         <p:spPr>
           <a:xfrm>
-            <a:off x="1298848" y="2348880"/>
+            <a:off x="1298848" y="2676128"/>
             <a:ext cx="6546304" cy="3273152"/>
           </a:xfrm>
           <a:prstGeom prst="roundRect">
@@ -4815,8 +4815,27 @@
           <a:p>
             <a:r>
               <a:rPr lang="ko-KR" altLang="en-US" sz="1600" dirty="0" smtClean="0"/>
-              <a:t>기능의 클래스계층과 구현의 클래스계층을 분리하여 각자 독립적으로 변형될 수 있게 하는 패턴</a:t>
-            </a:r>
+              <a:t>기능의 클래스계층과 구현의 클래스계층을 분리하여 각자 독립적으로 변형될 수 있게 하는 </a:t>
+            </a:r>
+            <a:r>
+              <a:rPr lang="ko-KR" altLang="en-US" sz="1600" dirty="0" smtClean="0"/>
+              <a:t>패턴</a:t>
+            </a:r>
+            <a:r>
+              <a:rPr lang="en-US" altLang="ko-KR" sz="1600" dirty="0" smtClean="0"/>
+              <a:t>(</a:t>
+            </a:r>
+            <a:r>
+              <a:rPr lang="en-US" altLang="ko-KR" sz="1600" i="1" dirty="0"/>
+              <a:t>Decouple an abstraction from its implementation so that the two can vary </a:t>
+            </a:r>
+            <a:r>
+              <a:rPr lang="en-US" altLang="ko-KR" sz="1600" i="1" dirty="0" smtClean="0"/>
+              <a:t>independently)</a:t>
+            </a:r>
+            <a:endParaRPr lang="en-US" altLang="ko-KR" sz="1600" dirty="0" smtClean="0"/>
+          </a:p>
+          <a:p>
             <a:endParaRPr lang="ko-KR" altLang="en-US" sz="1600" dirty="0"/>
           </a:p>
         </p:txBody>
@@ -5117,10 +5136,9 @@
               <a:t>는 처리를 구현하려면</a:t>
             </a:r>
             <a:r>
-              <a:rPr lang="en-US" altLang="ko-KR" sz="1600" smtClean="0"/>
+              <a:rPr lang="en-US" altLang="ko-KR" sz="1600" dirty="0" smtClean="0"/>
               <a:t>?</a:t>
             </a:r>
-            <a:endParaRPr lang="en-US" altLang="ko-KR" sz="1600" dirty="0" smtClean="0"/>
           </a:p>
         </p:txBody>
       </p:sp>
